--- a/assignments/ex5.2.pptx
+++ b/assignments/ex5.2.pptx
@@ -11,8 +11,6 @@
     <p:sldId id="265" r:id="rId5"/>
     <p:sldId id="262" r:id="rId6"/>
     <p:sldId id="263" r:id="rId7"/>
-    <p:sldId id="264" r:id="rId8"/>
-    <p:sldId id="261" r:id="rId9"/>
   </p:sldIdLst>
   <p:sldSz cx="12192000" cy="6858000"/>
   <p:notesSz cx="6858000" cy="9144000"/>
@@ -305,7 +303,7 @@
           <a:p>
             <a:fld id="{91F9259A-1FE3-4FF9-8A07-BDD8177164ED}" type="datetime4">
               <a:rPr lang="en-US" smtClean="0"/>
-              <a:t>November 5, 2021</a:t>
+              <a:t>November 7, 2021</a:t>
             </a:fld>
             <a:endParaRPr lang="en-US"/>
           </a:p>
@@ -480,7 +478,7 @@
           <a:p>
             <a:fld id="{E5CC3C8F-D4A7-4EAD-92AD-82C91CB8BB85}" type="datetime4">
               <a:rPr lang="en-US" smtClean="0"/>
-              <a:t>November 5, 2021</a:t>
+              <a:t>November 7, 2021</a:t>
             </a:fld>
             <a:endParaRPr lang="en-US"/>
           </a:p>
@@ -717,7 +715,7 @@
           <a:p>
             <a:fld id="{BC011D41-E33C-4BC7-8272-37E8417FD097}" type="datetime4">
               <a:rPr lang="en-US" smtClean="0"/>
-              <a:t>November 5, 2021</a:t>
+              <a:t>November 7, 2021</a:t>
             </a:fld>
             <a:endParaRPr lang="en-US"/>
           </a:p>
@@ -922,7 +920,7 @@
           <a:p>
             <a:fld id="{5D340FED-6E95-4177-A7EF-CD303B9E611D}" type="datetime4">
               <a:rPr lang="en-US" smtClean="0"/>
-              <a:t>November 5, 2021</a:t>
+              <a:t>November 7, 2021</a:t>
             </a:fld>
             <a:endParaRPr lang="en-US"/>
           </a:p>
@@ -1212,7 +1210,7 @@
           <a:p>
             <a:fld id="{477962CB-39AD-45A9-800F-54DAB53D6021}" type="datetime4">
               <a:rPr lang="en-US" smtClean="0"/>
-              <a:t>November 5, 2021</a:t>
+              <a:t>November 7, 2021</a:t>
             </a:fld>
             <a:endParaRPr lang="en-US"/>
           </a:p>
@@ -1496,7 +1494,7 @@
           <a:p>
             <a:fld id="{2DEDF93D-55AB-4606-B9D7-742F1FC51983}" type="datetime4">
               <a:rPr lang="en-US" smtClean="0"/>
-              <a:t>November 5, 2021</a:t>
+              <a:t>November 7, 2021</a:t>
             </a:fld>
             <a:endParaRPr lang="en-US" dirty="0"/>
           </a:p>
@@ -1913,7 +1911,7 @@
           <a:p>
             <a:fld id="{DDF2841D-FB5C-47AB-B2FF-32E855C1EA71}" type="datetime4">
               <a:rPr lang="en-US" smtClean="0"/>
-              <a:t>November 5, 2021</a:t>
+              <a:t>November 7, 2021</a:t>
             </a:fld>
             <a:endParaRPr lang="en-US"/>
           </a:p>
@@ -2054,7 +2052,7 @@
           <a:p>
             <a:fld id="{118537E9-D174-424D-BEE8-AFC4CA5F9F97}" type="datetime4">
               <a:rPr lang="en-US" smtClean="0"/>
-              <a:t>November 5, 2021</a:t>
+              <a:t>November 7, 2021</a:t>
             </a:fld>
             <a:endParaRPr lang="en-US"/>
           </a:p>
@@ -2195,7 +2193,7 @@
           <a:p>
             <a:fld id="{1C7A44C0-F7AC-49C2-8289-1E7A86D9FB50}" type="datetime4">
               <a:rPr lang="en-US" smtClean="0"/>
-              <a:t>November 5, 2021</a:t>
+              <a:t>November 7, 2021</a:t>
             </a:fld>
             <a:endParaRPr lang="en-US"/>
           </a:p>
@@ -2510,7 +2508,7 @@
           <a:p>
             <a:fld id="{73BB84BC-6E78-40D1-8831-40AB1F596614}" type="datetime4">
               <a:rPr lang="en-US" smtClean="0"/>
-              <a:t>November 5, 2021</a:t>
+              <a:t>November 7, 2021</a:t>
             </a:fld>
             <a:endParaRPr lang="en-US"/>
           </a:p>
@@ -2803,7 +2801,7 @@
           <a:p>
             <a:fld id="{ADFA080F-3961-4D42-BEDE-84A1FED032F1}" type="datetime4">
               <a:rPr lang="en-US" smtClean="0"/>
-              <a:t>November 5, 2021</a:t>
+              <a:t>November 7, 2021</a:t>
             </a:fld>
             <a:endParaRPr lang="en-US"/>
           </a:p>
@@ -3085,7 +3083,7 @@
             <a:fld id="{A33960BD-7AC1-4217-9611-AAA56D3EE38F}" type="datetime4">
               <a:rPr lang="en-US" smtClean="0"/>
               <a:pPr/>
-              <a:t>November 5, 2021</a:t>
+              <a:t>November 7, 2021</a:t>
             </a:fld>
             <a:endParaRPr lang="en-US" dirty="0">
               <a:latin typeface="+mn-lt"/>
@@ -5038,170 +5036,6 @@
 </p:sld>
 </file>
 
-<file path=ppt/slides/slide7.xml><?xml version="1.0" encoding="utf-8"?>
-<p:sld xmlns:a="http://schemas.openxmlformats.org/drawingml/2006/main" xmlns:r="http://schemas.openxmlformats.org/officeDocument/2006/relationships" xmlns:p="http://schemas.openxmlformats.org/presentationml/2006/main">
-  <p:cSld>
-    <p:spTree>
-      <p:nvGrpSpPr>
-        <p:cNvPr id="1" name=""/>
-        <p:cNvGrpSpPr/>
-        <p:nvPr/>
-      </p:nvGrpSpPr>
-      <p:grpSpPr>
-        <a:xfrm>
-          <a:off x="0" y="0"/>
-          <a:ext cx="0" cy="0"/>
-          <a:chOff x="0" y="0"/>
-          <a:chExt cx="0" cy="0"/>
-        </a:xfrm>
-      </p:grpSpPr>
-      <p:sp>
-        <p:nvSpPr>
-          <p:cNvPr id="2" name="Title 1">
-            <a:extLst>
-              <a:ext uri="{FF2B5EF4-FFF2-40B4-BE49-F238E27FC236}">
-                <a16:creationId xmlns:a16="http://schemas.microsoft.com/office/drawing/2014/main" id="{DCECC6AC-AA66-487F-9995-69B6576F76D0}"/>
-              </a:ext>
-            </a:extLst>
-          </p:cNvPr>
-          <p:cNvSpPr>
-            <a:spLocks noGrp="1"/>
-          </p:cNvSpPr>
-          <p:nvPr>
-            <p:ph type="title"/>
-          </p:nvPr>
-        </p:nvSpPr>
-        <p:spPr/>
-        <p:txBody>
-          <a:bodyPr/>
-          <a:lstStyle/>
-          <a:p>
-            <a:r>
-              <a:rPr lang="en-US" dirty="0"/>
-              <a:t>R Charts</a:t>
-            </a:r>
-          </a:p>
-        </p:txBody>
-      </p:sp>
-      <p:sp>
-        <p:nvSpPr>
-          <p:cNvPr id="3" name="Content Placeholder 2">
-            <a:extLst>
-              <a:ext uri="{FF2B5EF4-FFF2-40B4-BE49-F238E27FC236}">
-                <a16:creationId xmlns:a16="http://schemas.microsoft.com/office/drawing/2014/main" id="{773768CD-C091-4196-88A1-A6C4CC0AEA63}"/>
-              </a:ext>
-            </a:extLst>
-          </p:cNvPr>
-          <p:cNvSpPr>
-            <a:spLocks noGrp="1"/>
-          </p:cNvSpPr>
-          <p:nvPr>
-            <p:ph sz="half" idx="1"/>
-          </p:nvPr>
-        </p:nvSpPr>
-        <p:spPr>
-          <a:xfrm>
-            <a:off x="1050877" y="1825624"/>
-            <a:ext cx="9310937" cy="4460875"/>
-          </a:xfrm>
-        </p:spPr>
-        <p:txBody>
-          <a:bodyPr/>
-          <a:lstStyle/>
-          <a:p>
-            <a:r>
-              <a:rPr lang="en-US" dirty="0"/>
-              <a:t>Contour Chart</a:t>
-            </a:r>
-          </a:p>
-        </p:txBody>
-      </p:sp>
-    </p:spTree>
-    <p:extLst>
-      <p:ext uri="{BB962C8B-B14F-4D97-AF65-F5344CB8AC3E}">
-        <p14:creationId xmlns:p14="http://schemas.microsoft.com/office/powerpoint/2010/main" val="921262206"/>
-      </p:ext>
-    </p:extLst>
-  </p:cSld>
-  <p:clrMapOvr>
-    <a:masterClrMapping/>
-  </p:clrMapOvr>
-</p:sld>
-</file>
-
-<file path=ppt/slides/slide8.xml><?xml version="1.0" encoding="utf-8"?>
-<p:sld xmlns:a="http://schemas.openxmlformats.org/drawingml/2006/main" xmlns:r="http://schemas.openxmlformats.org/officeDocument/2006/relationships" xmlns:p="http://schemas.openxmlformats.org/presentationml/2006/main">
-  <p:cSld>
-    <p:spTree>
-      <p:nvGrpSpPr>
-        <p:cNvPr id="1" name=""/>
-        <p:cNvGrpSpPr/>
-        <p:nvPr/>
-      </p:nvGrpSpPr>
-      <p:grpSpPr>
-        <a:xfrm>
-          <a:off x="0" y="0"/>
-          <a:ext cx="0" cy="0"/>
-          <a:chOff x="0" y="0"/>
-          <a:chExt cx="0" cy="0"/>
-        </a:xfrm>
-      </p:grpSpPr>
-      <p:sp>
-        <p:nvSpPr>
-          <p:cNvPr id="2" name="Title 1">
-            <a:extLst>
-              <a:ext uri="{FF2B5EF4-FFF2-40B4-BE49-F238E27FC236}">
-                <a16:creationId xmlns:a16="http://schemas.microsoft.com/office/drawing/2014/main" id="{75777B98-4A0F-4B5E-9FD8-CE82E8322CE2}"/>
-              </a:ext>
-            </a:extLst>
-          </p:cNvPr>
-          <p:cNvSpPr>
-            <a:spLocks noGrp="1"/>
-          </p:cNvSpPr>
-          <p:nvPr>
-            <p:ph type="title"/>
-          </p:nvPr>
-        </p:nvSpPr>
-        <p:spPr/>
-        <p:txBody>
-          <a:bodyPr/>
-          <a:lstStyle/>
-          <a:p>
-            <a:r>
-              <a:rPr lang="en-US" dirty="0"/>
-              <a:t>Tableau Heat </a:t>
-            </a:r>
-            <a:r>
-              <a:rPr lang="en-US" dirty="0" err="1"/>
-              <a:t>Map,Spatial</a:t>
-            </a:r>
-            <a:r>
-              <a:rPr lang="en-US" dirty="0"/>
-              <a:t> Chart</a:t>
-            </a:r>
-            <a:br>
-              <a:rPr lang="en-US" dirty="0"/>
-            </a:br>
-            <a:r>
-              <a:rPr lang="en-US" dirty="0"/>
-              <a:t>Funnel or Violin Chart</a:t>
-            </a:r>
-          </a:p>
-        </p:txBody>
-      </p:sp>
-    </p:spTree>
-    <p:extLst>
-      <p:ext uri="{BB962C8B-B14F-4D97-AF65-F5344CB8AC3E}">
-        <p14:creationId xmlns:p14="http://schemas.microsoft.com/office/powerpoint/2010/main" val="2288376060"/>
-      </p:ext>
-    </p:extLst>
-  </p:cSld>
-  <p:clrMapOvr>
-    <a:masterClrMapping/>
-  </p:clrMapOvr>
-</p:sld>
-</file>
-
 <file path=ppt/theme/theme1.xml><?xml version="1.0" encoding="utf-8"?>
 <a:theme xmlns:a="http://schemas.openxmlformats.org/drawingml/2006/main" name="ArchiveVTI">
   <a:themeElements>
